--- a/doc/fig_dev.pptx
+++ b/doc/fig_dev.pptx
@@ -7,6 +7,8 @@
   <p:sldIdLst>
     <p:sldId id="256" r:id="rId2"/>
     <p:sldId id="257" r:id="rId3"/>
+    <p:sldId id="258" r:id="rId4"/>
+    <p:sldId id="259" r:id="rId5"/>
   </p:sldIdLst>
   <p:sldSz cx="12192000" cy="6858000"/>
   <p:notesSz cx="6858000" cy="9144000"/>
@@ -271,7 +273,7 @@
           <a:p>
             <a:fld id="{6DC2B642-55D8-4DDC-8A4D-022C363C3BD2}" type="datetimeFigureOut">
               <a:rPr lang="en-US" smtClean="0"/>
-              <a:t>2/13/2020</a:t>
+              <a:t>2/25/2020</a:t>
             </a:fld>
             <a:endParaRPr lang="en-US"/>
           </a:p>
@@ -469,7 +471,7 @@
           <a:p>
             <a:fld id="{6DC2B642-55D8-4DDC-8A4D-022C363C3BD2}" type="datetimeFigureOut">
               <a:rPr lang="en-US" smtClean="0"/>
-              <a:t>2/13/2020</a:t>
+              <a:t>2/25/2020</a:t>
             </a:fld>
             <a:endParaRPr lang="en-US"/>
           </a:p>
@@ -677,7 +679,7 @@
           <a:p>
             <a:fld id="{6DC2B642-55D8-4DDC-8A4D-022C363C3BD2}" type="datetimeFigureOut">
               <a:rPr lang="en-US" smtClean="0"/>
-              <a:t>2/13/2020</a:t>
+              <a:t>2/25/2020</a:t>
             </a:fld>
             <a:endParaRPr lang="en-US"/>
           </a:p>
@@ -875,7 +877,7 @@
           <a:p>
             <a:fld id="{6DC2B642-55D8-4DDC-8A4D-022C363C3BD2}" type="datetimeFigureOut">
               <a:rPr lang="en-US" smtClean="0"/>
-              <a:t>2/13/2020</a:t>
+              <a:t>2/25/2020</a:t>
             </a:fld>
             <a:endParaRPr lang="en-US"/>
           </a:p>
@@ -1150,7 +1152,7 @@
           <a:p>
             <a:fld id="{6DC2B642-55D8-4DDC-8A4D-022C363C3BD2}" type="datetimeFigureOut">
               <a:rPr lang="en-US" smtClean="0"/>
-              <a:t>2/13/2020</a:t>
+              <a:t>2/25/2020</a:t>
             </a:fld>
             <a:endParaRPr lang="en-US"/>
           </a:p>
@@ -1415,7 +1417,7 @@
           <a:p>
             <a:fld id="{6DC2B642-55D8-4DDC-8A4D-022C363C3BD2}" type="datetimeFigureOut">
               <a:rPr lang="en-US" smtClean="0"/>
-              <a:t>2/13/2020</a:t>
+              <a:t>2/25/2020</a:t>
             </a:fld>
             <a:endParaRPr lang="en-US"/>
           </a:p>
@@ -1827,7 +1829,7 @@
           <a:p>
             <a:fld id="{6DC2B642-55D8-4DDC-8A4D-022C363C3BD2}" type="datetimeFigureOut">
               <a:rPr lang="en-US" smtClean="0"/>
-              <a:t>2/13/2020</a:t>
+              <a:t>2/25/2020</a:t>
             </a:fld>
             <a:endParaRPr lang="en-US"/>
           </a:p>
@@ -1968,7 +1970,7 @@
           <a:p>
             <a:fld id="{6DC2B642-55D8-4DDC-8A4D-022C363C3BD2}" type="datetimeFigureOut">
               <a:rPr lang="en-US" smtClean="0"/>
-              <a:t>2/13/2020</a:t>
+              <a:t>2/25/2020</a:t>
             </a:fld>
             <a:endParaRPr lang="en-US"/>
           </a:p>
@@ -2081,7 +2083,7 @@
           <a:p>
             <a:fld id="{6DC2B642-55D8-4DDC-8A4D-022C363C3BD2}" type="datetimeFigureOut">
               <a:rPr lang="en-US" smtClean="0"/>
-              <a:t>2/13/2020</a:t>
+              <a:t>2/25/2020</a:t>
             </a:fld>
             <a:endParaRPr lang="en-US"/>
           </a:p>
@@ -2392,7 +2394,7 @@
           <a:p>
             <a:fld id="{6DC2B642-55D8-4DDC-8A4D-022C363C3BD2}" type="datetimeFigureOut">
               <a:rPr lang="en-US" smtClean="0"/>
-              <a:t>2/13/2020</a:t>
+              <a:t>2/25/2020</a:t>
             </a:fld>
             <a:endParaRPr lang="en-US"/>
           </a:p>
@@ -2680,7 +2682,7 @@
           <a:p>
             <a:fld id="{6DC2B642-55D8-4DDC-8A4D-022C363C3BD2}" type="datetimeFigureOut">
               <a:rPr lang="en-US" smtClean="0"/>
-              <a:t>2/13/2020</a:t>
+              <a:t>2/25/2020</a:t>
             </a:fld>
             <a:endParaRPr lang="en-US"/>
           </a:p>
@@ -2921,7 +2923,7 @@
           <a:p>
             <a:fld id="{6DC2B642-55D8-4DDC-8A4D-022C363C3BD2}" type="datetimeFigureOut">
               <a:rPr lang="en-US" smtClean="0"/>
-              <a:t>2/13/2020</a:t>
+              <a:t>2/25/2020</a:t>
             </a:fld>
             <a:endParaRPr lang="en-US"/>
           </a:p>
@@ -20838,6 +20840,713 @@
 </p:sld>
 </file>
 
+<file path=ppt/slides/slide3.xml><?xml version="1.0" encoding="utf-8"?>
+<p:sld xmlns:a="http://schemas.openxmlformats.org/drawingml/2006/main" xmlns:r="http://schemas.openxmlformats.org/officeDocument/2006/relationships" xmlns:p="http://schemas.openxmlformats.org/presentationml/2006/main">
+  <p:cSld>
+    <p:spTree>
+      <p:nvGrpSpPr>
+        <p:cNvPr id="1" name=""/>
+        <p:cNvGrpSpPr/>
+        <p:nvPr/>
+      </p:nvGrpSpPr>
+      <p:grpSpPr>
+        <a:xfrm>
+          <a:off x="0" y="0"/>
+          <a:ext cx="0" cy="0"/>
+          <a:chOff x="0" y="0"/>
+          <a:chExt cx="0" cy="0"/>
+        </a:xfrm>
+      </p:grpSpPr>
+      <p:pic>
+        <p:nvPicPr>
+          <p:cNvPr id="3" name="Picture 2">
+            <a:extLst>
+              <a:ext uri="{FF2B5EF4-FFF2-40B4-BE49-F238E27FC236}">
+                <a16:creationId xmlns:a16="http://schemas.microsoft.com/office/drawing/2014/main" id="{0E70926E-F4FE-44B5-A419-ACBEBBCBF763}"/>
+              </a:ext>
+            </a:extLst>
+          </p:cNvPr>
+          <p:cNvPicPr>
+            <a:picLocks noChangeAspect="1"/>
+          </p:cNvPicPr>
+          <p:nvPr/>
+        </p:nvPicPr>
+        <p:blipFill>
+          <a:blip r:embed="rId2">
+            <a:extLst>
+              <a:ext uri="{28A0092B-C50C-407E-A947-70E740481C1C}">
+                <a14:useLocalDpi xmlns:a14="http://schemas.microsoft.com/office/drawing/2010/main" val="0"/>
+              </a:ext>
+            </a:extLst>
+          </a:blip>
+          <a:srcRect/>
+          <a:stretch/>
+        </p:blipFill>
+        <p:spPr>
+          <a:xfrm>
+            <a:off x="324436" y="28288"/>
+            <a:ext cx="3810000" cy="2286000"/>
+          </a:xfrm>
+          <a:prstGeom prst="rect">
+            <a:avLst/>
+          </a:prstGeom>
+        </p:spPr>
+      </p:pic>
+      <p:pic>
+        <p:nvPicPr>
+          <p:cNvPr id="5" name="Picture 4" descr="A screenshot of a cell phone&#10;&#10;Description automatically generated">
+            <a:extLst>
+              <a:ext uri="{FF2B5EF4-FFF2-40B4-BE49-F238E27FC236}">
+                <a16:creationId xmlns:a16="http://schemas.microsoft.com/office/drawing/2014/main" id="{89CD9851-235C-4D9E-B0D0-5E288E1A2803}"/>
+              </a:ext>
+            </a:extLst>
+          </p:cNvPr>
+          <p:cNvPicPr>
+            <a:picLocks noChangeAspect="1"/>
+          </p:cNvPicPr>
+          <p:nvPr/>
+        </p:nvPicPr>
+        <p:blipFill>
+          <a:blip r:embed="rId3">
+            <a:extLst>
+              <a:ext uri="{28A0092B-C50C-407E-A947-70E740481C1C}">
+                <a14:useLocalDpi xmlns:a14="http://schemas.microsoft.com/office/drawing/2010/main" val="0"/>
+              </a:ext>
+            </a:extLst>
+          </a:blip>
+          <a:stretch>
+            <a:fillRect/>
+          </a:stretch>
+        </p:blipFill>
+        <p:spPr>
+          <a:xfrm>
+            <a:off x="4304119" y="28288"/>
+            <a:ext cx="3810001" cy="2286000"/>
+          </a:xfrm>
+          <a:prstGeom prst="rect">
+            <a:avLst/>
+          </a:prstGeom>
+        </p:spPr>
+      </p:pic>
+      <p:pic>
+        <p:nvPicPr>
+          <p:cNvPr id="7" name="Picture 6" descr="A screenshot of a cell phone&#10;&#10;Description automatically generated">
+            <a:extLst>
+              <a:ext uri="{FF2B5EF4-FFF2-40B4-BE49-F238E27FC236}">
+                <a16:creationId xmlns:a16="http://schemas.microsoft.com/office/drawing/2014/main" id="{2B0F5ABA-4626-436A-A14F-0470960FA372}"/>
+              </a:ext>
+            </a:extLst>
+          </p:cNvPr>
+          <p:cNvPicPr>
+            <a:picLocks noChangeAspect="1"/>
+          </p:cNvPicPr>
+          <p:nvPr/>
+        </p:nvPicPr>
+        <p:blipFill>
+          <a:blip r:embed="rId4">
+            <a:extLst>
+              <a:ext uri="{28A0092B-C50C-407E-A947-70E740481C1C}">
+                <a14:useLocalDpi xmlns:a14="http://schemas.microsoft.com/office/drawing/2010/main" val="0"/>
+              </a:ext>
+            </a:extLst>
+          </a:blip>
+          <a:stretch>
+            <a:fillRect/>
+          </a:stretch>
+        </p:blipFill>
+        <p:spPr>
+          <a:xfrm>
+            <a:off x="8283800" y="28288"/>
+            <a:ext cx="3810001" cy="2286000"/>
+          </a:xfrm>
+          <a:prstGeom prst="rect">
+            <a:avLst/>
+          </a:prstGeom>
+        </p:spPr>
+      </p:pic>
+      <p:pic>
+        <p:nvPicPr>
+          <p:cNvPr id="9" name="Picture 8" descr="A screenshot of a cell phone&#10;&#10;Description automatically generated">
+            <a:extLst>
+              <a:ext uri="{FF2B5EF4-FFF2-40B4-BE49-F238E27FC236}">
+                <a16:creationId xmlns:a16="http://schemas.microsoft.com/office/drawing/2014/main" id="{52C407C1-F4C8-4C63-8A9C-32A7E60DD695}"/>
+              </a:ext>
+            </a:extLst>
+          </p:cNvPr>
+          <p:cNvPicPr>
+            <a:picLocks noChangeAspect="1"/>
+          </p:cNvPicPr>
+          <p:nvPr/>
+        </p:nvPicPr>
+        <p:blipFill>
+          <a:blip r:embed="rId5">
+            <a:extLst>
+              <a:ext uri="{28A0092B-C50C-407E-A947-70E740481C1C}">
+                <a14:useLocalDpi xmlns:a14="http://schemas.microsoft.com/office/drawing/2010/main" val="0"/>
+              </a:ext>
+            </a:extLst>
+          </a:blip>
+          <a:stretch>
+            <a:fillRect/>
+          </a:stretch>
+        </p:blipFill>
+        <p:spPr>
+          <a:xfrm>
+            <a:off x="324435" y="2314288"/>
+            <a:ext cx="3810001" cy="2286000"/>
+          </a:xfrm>
+          <a:prstGeom prst="rect">
+            <a:avLst/>
+          </a:prstGeom>
+        </p:spPr>
+      </p:pic>
+      <p:pic>
+        <p:nvPicPr>
+          <p:cNvPr id="11" name="Picture 10" descr="A screenshot of a cell phone&#10;&#10;Description automatically generated">
+            <a:extLst>
+              <a:ext uri="{FF2B5EF4-FFF2-40B4-BE49-F238E27FC236}">
+                <a16:creationId xmlns:a16="http://schemas.microsoft.com/office/drawing/2014/main" id="{9DA2FE4B-E15E-4DE4-B641-01EC0AADA56B}"/>
+              </a:ext>
+            </a:extLst>
+          </p:cNvPr>
+          <p:cNvPicPr>
+            <a:picLocks noChangeAspect="1"/>
+          </p:cNvPicPr>
+          <p:nvPr/>
+        </p:nvPicPr>
+        <p:blipFill>
+          <a:blip r:embed="rId6">
+            <a:extLst>
+              <a:ext uri="{28A0092B-C50C-407E-A947-70E740481C1C}">
+                <a14:useLocalDpi xmlns:a14="http://schemas.microsoft.com/office/drawing/2010/main" val="0"/>
+              </a:ext>
+            </a:extLst>
+          </a:blip>
+          <a:stretch>
+            <a:fillRect/>
+          </a:stretch>
+        </p:blipFill>
+        <p:spPr>
+          <a:xfrm>
+            <a:off x="4304118" y="2314288"/>
+            <a:ext cx="3810001" cy="2286000"/>
+          </a:xfrm>
+          <a:prstGeom prst="rect">
+            <a:avLst/>
+          </a:prstGeom>
+        </p:spPr>
+      </p:pic>
+      <p:pic>
+        <p:nvPicPr>
+          <p:cNvPr id="13" name="Picture 12" descr="A screenshot of a cell phone&#10;&#10;Description automatically generated">
+            <a:extLst>
+              <a:ext uri="{FF2B5EF4-FFF2-40B4-BE49-F238E27FC236}">
+                <a16:creationId xmlns:a16="http://schemas.microsoft.com/office/drawing/2014/main" id="{68ED0002-B484-4597-A167-BA6458ADF9FB}"/>
+              </a:ext>
+            </a:extLst>
+          </p:cNvPr>
+          <p:cNvPicPr>
+            <a:picLocks noChangeAspect="1"/>
+          </p:cNvPicPr>
+          <p:nvPr/>
+        </p:nvPicPr>
+        <p:blipFill>
+          <a:blip r:embed="rId7">
+            <a:extLst>
+              <a:ext uri="{28A0092B-C50C-407E-A947-70E740481C1C}">
+                <a14:useLocalDpi xmlns:a14="http://schemas.microsoft.com/office/drawing/2010/main" val="0"/>
+              </a:ext>
+            </a:extLst>
+          </a:blip>
+          <a:stretch>
+            <a:fillRect/>
+          </a:stretch>
+        </p:blipFill>
+        <p:spPr>
+          <a:xfrm>
+            <a:off x="8283800" y="2314288"/>
+            <a:ext cx="3810001" cy="2286000"/>
+          </a:xfrm>
+          <a:prstGeom prst="rect">
+            <a:avLst/>
+          </a:prstGeom>
+        </p:spPr>
+      </p:pic>
+      <p:pic>
+        <p:nvPicPr>
+          <p:cNvPr id="15" name="Picture 14" descr="A screenshot of a cell phone&#10;&#10;Description automatically generated">
+            <a:extLst>
+              <a:ext uri="{FF2B5EF4-FFF2-40B4-BE49-F238E27FC236}">
+                <a16:creationId xmlns:a16="http://schemas.microsoft.com/office/drawing/2014/main" id="{540B56F4-B958-4BE4-83AE-60318A328C7A}"/>
+              </a:ext>
+            </a:extLst>
+          </p:cNvPr>
+          <p:cNvPicPr>
+            <a:picLocks noChangeAspect="1"/>
+          </p:cNvPicPr>
+          <p:nvPr/>
+        </p:nvPicPr>
+        <p:blipFill>
+          <a:blip r:embed="rId8">
+            <a:extLst>
+              <a:ext uri="{28A0092B-C50C-407E-A947-70E740481C1C}">
+                <a14:useLocalDpi xmlns:a14="http://schemas.microsoft.com/office/drawing/2010/main" val="0"/>
+              </a:ext>
+            </a:extLst>
+          </a:blip>
+          <a:stretch>
+            <a:fillRect/>
+          </a:stretch>
+        </p:blipFill>
+        <p:spPr>
+          <a:xfrm>
+            <a:off x="324434" y="4600288"/>
+            <a:ext cx="3810001" cy="2286000"/>
+          </a:xfrm>
+          <a:prstGeom prst="rect">
+            <a:avLst/>
+          </a:prstGeom>
+        </p:spPr>
+      </p:pic>
+      <p:pic>
+        <p:nvPicPr>
+          <p:cNvPr id="17" name="Picture 16" descr="A screenshot of a cell phone&#10;&#10;Description automatically generated">
+            <a:extLst>
+              <a:ext uri="{FF2B5EF4-FFF2-40B4-BE49-F238E27FC236}">
+                <a16:creationId xmlns:a16="http://schemas.microsoft.com/office/drawing/2014/main" id="{2CE94D6C-764A-42DA-A471-70E1F8DC8C49}"/>
+              </a:ext>
+            </a:extLst>
+          </p:cNvPr>
+          <p:cNvPicPr>
+            <a:picLocks noChangeAspect="1"/>
+          </p:cNvPicPr>
+          <p:nvPr/>
+        </p:nvPicPr>
+        <p:blipFill>
+          <a:blip r:embed="rId9">
+            <a:extLst>
+              <a:ext uri="{28A0092B-C50C-407E-A947-70E740481C1C}">
+                <a14:useLocalDpi xmlns:a14="http://schemas.microsoft.com/office/drawing/2010/main" val="0"/>
+              </a:ext>
+            </a:extLst>
+          </a:blip>
+          <a:stretch>
+            <a:fillRect/>
+          </a:stretch>
+        </p:blipFill>
+        <p:spPr>
+          <a:xfrm>
+            <a:off x="4304117" y="4600288"/>
+            <a:ext cx="3810001" cy="2286000"/>
+          </a:xfrm>
+          <a:prstGeom prst="rect">
+            <a:avLst/>
+          </a:prstGeom>
+        </p:spPr>
+      </p:pic>
+      <p:pic>
+        <p:nvPicPr>
+          <p:cNvPr id="19" name="Picture 18" descr="A screenshot of a cell phone&#10;&#10;Description automatically generated">
+            <a:extLst>
+              <a:ext uri="{FF2B5EF4-FFF2-40B4-BE49-F238E27FC236}">
+                <a16:creationId xmlns:a16="http://schemas.microsoft.com/office/drawing/2014/main" id="{5D103522-8904-4087-9FE2-6605A3C69AE4}"/>
+              </a:ext>
+            </a:extLst>
+          </p:cNvPr>
+          <p:cNvPicPr>
+            <a:picLocks noChangeAspect="1"/>
+          </p:cNvPicPr>
+          <p:nvPr/>
+        </p:nvPicPr>
+        <p:blipFill>
+          <a:blip r:embed="rId10">
+            <a:extLst>
+              <a:ext uri="{28A0092B-C50C-407E-A947-70E740481C1C}">
+                <a14:useLocalDpi xmlns:a14="http://schemas.microsoft.com/office/drawing/2010/main" val="0"/>
+              </a:ext>
+            </a:extLst>
+          </a:blip>
+          <a:stretch>
+            <a:fillRect/>
+          </a:stretch>
+        </p:blipFill>
+        <p:spPr>
+          <a:xfrm>
+            <a:off x="8283798" y="4600288"/>
+            <a:ext cx="3810001" cy="2286000"/>
+          </a:xfrm>
+          <a:prstGeom prst="rect">
+            <a:avLst/>
+          </a:prstGeom>
+        </p:spPr>
+      </p:pic>
+    </p:spTree>
+    <p:extLst>
+      <p:ext uri="{BB962C8B-B14F-4D97-AF65-F5344CB8AC3E}">
+        <p14:creationId xmlns:p14="http://schemas.microsoft.com/office/powerpoint/2010/main" val="1818891892"/>
+      </p:ext>
+    </p:extLst>
+  </p:cSld>
+  <p:clrMapOvr>
+    <a:masterClrMapping/>
+  </p:clrMapOvr>
+</p:sld>
+</file>
+
+<file path=ppt/slides/slide4.xml><?xml version="1.0" encoding="utf-8"?>
+<p:sld xmlns:a="http://schemas.openxmlformats.org/drawingml/2006/main" xmlns:r="http://schemas.openxmlformats.org/officeDocument/2006/relationships" xmlns:p="http://schemas.openxmlformats.org/presentationml/2006/main">
+  <p:cSld>
+    <p:spTree>
+      <p:nvGrpSpPr>
+        <p:cNvPr id="1" name=""/>
+        <p:cNvGrpSpPr/>
+        <p:nvPr/>
+      </p:nvGrpSpPr>
+      <p:grpSpPr>
+        <a:xfrm>
+          <a:off x="0" y="0"/>
+          <a:ext cx="0" cy="0"/>
+          <a:chOff x="0" y="0"/>
+          <a:chExt cx="0" cy="0"/>
+        </a:xfrm>
+      </p:grpSpPr>
+      <p:pic>
+        <p:nvPicPr>
+          <p:cNvPr id="3" name="Picture 2" descr="A close up of a map&#10;&#10;Description automatically generated">
+            <a:extLst>
+              <a:ext uri="{FF2B5EF4-FFF2-40B4-BE49-F238E27FC236}">
+                <a16:creationId xmlns:a16="http://schemas.microsoft.com/office/drawing/2014/main" id="{4EA377FE-B4FC-48A0-B3C6-2029CFF03F97}"/>
+              </a:ext>
+            </a:extLst>
+          </p:cNvPr>
+          <p:cNvPicPr>
+            <a:picLocks noChangeAspect="1"/>
+          </p:cNvPicPr>
+          <p:nvPr/>
+        </p:nvPicPr>
+        <p:blipFill>
+          <a:blip r:embed="rId2">
+            <a:extLst>
+              <a:ext uri="{28A0092B-C50C-407E-A947-70E740481C1C}">
+                <a14:useLocalDpi xmlns:a14="http://schemas.microsoft.com/office/drawing/2010/main" val="0"/>
+              </a:ext>
+            </a:extLst>
+          </a:blip>
+          <a:stretch>
+            <a:fillRect/>
+          </a:stretch>
+        </p:blipFill>
+        <p:spPr>
+          <a:xfrm>
+            <a:off x="395140" y="-131977"/>
+            <a:ext cx="2560320" cy="2560320"/>
+          </a:xfrm>
+          <a:prstGeom prst="rect">
+            <a:avLst/>
+          </a:prstGeom>
+        </p:spPr>
+      </p:pic>
+      <p:pic>
+        <p:nvPicPr>
+          <p:cNvPr id="5" name="Picture 4" descr="A close up of a map&#10;&#10;Description automatically generated">
+            <a:extLst>
+              <a:ext uri="{FF2B5EF4-FFF2-40B4-BE49-F238E27FC236}">
+                <a16:creationId xmlns:a16="http://schemas.microsoft.com/office/drawing/2014/main" id="{5A372EEC-7F54-4210-84CE-81F9009EABC3}"/>
+              </a:ext>
+            </a:extLst>
+          </p:cNvPr>
+          <p:cNvPicPr>
+            <a:picLocks noChangeAspect="1"/>
+          </p:cNvPicPr>
+          <p:nvPr/>
+        </p:nvPicPr>
+        <p:blipFill>
+          <a:blip r:embed="rId3">
+            <a:extLst>
+              <a:ext uri="{28A0092B-C50C-407E-A947-70E740481C1C}">
+                <a14:useLocalDpi xmlns:a14="http://schemas.microsoft.com/office/drawing/2010/main" val="0"/>
+              </a:ext>
+            </a:extLst>
+          </a:blip>
+          <a:stretch>
+            <a:fillRect/>
+          </a:stretch>
+        </p:blipFill>
+        <p:spPr>
+          <a:xfrm>
+            <a:off x="3245570" y="-131977"/>
+            <a:ext cx="2560320" cy="2560320"/>
+          </a:xfrm>
+          <a:prstGeom prst="rect">
+            <a:avLst/>
+          </a:prstGeom>
+        </p:spPr>
+      </p:pic>
+      <p:pic>
+        <p:nvPicPr>
+          <p:cNvPr id="7" name="Picture 6" descr="A close up of a map&#10;&#10;Description automatically generated">
+            <a:extLst>
+              <a:ext uri="{FF2B5EF4-FFF2-40B4-BE49-F238E27FC236}">
+                <a16:creationId xmlns:a16="http://schemas.microsoft.com/office/drawing/2014/main" id="{F3160CB2-B99D-4B6F-843E-0A7114295F88}"/>
+              </a:ext>
+            </a:extLst>
+          </p:cNvPr>
+          <p:cNvPicPr>
+            <a:picLocks noChangeAspect="1"/>
+          </p:cNvPicPr>
+          <p:nvPr/>
+        </p:nvPicPr>
+        <p:blipFill>
+          <a:blip r:embed="rId4">
+            <a:extLst>
+              <a:ext uri="{28A0092B-C50C-407E-A947-70E740481C1C}">
+                <a14:useLocalDpi xmlns:a14="http://schemas.microsoft.com/office/drawing/2010/main" val="0"/>
+              </a:ext>
+            </a:extLst>
+          </a:blip>
+          <a:stretch>
+            <a:fillRect/>
+          </a:stretch>
+        </p:blipFill>
+        <p:spPr>
+          <a:xfrm>
+            <a:off x="6096000" y="-131977"/>
+            <a:ext cx="2560320" cy="2560320"/>
+          </a:xfrm>
+          <a:prstGeom prst="rect">
+            <a:avLst/>
+          </a:prstGeom>
+        </p:spPr>
+      </p:pic>
+      <p:pic>
+        <p:nvPicPr>
+          <p:cNvPr id="9" name="Picture 8" descr="A close up of a map&#10;&#10;Description automatically generated">
+            <a:extLst>
+              <a:ext uri="{FF2B5EF4-FFF2-40B4-BE49-F238E27FC236}">
+                <a16:creationId xmlns:a16="http://schemas.microsoft.com/office/drawing/2014/main" id="{69B150CE-B15B-404A-9BDA-B0A7BAC0EEFA}"/>
+              </a:ext>
+            </a:extLst>
+          </p:cNvPr>
+          <p:cNvPicPr>
+            <a:picLocks noChangeAspect="1"/>
+          </p:cNvPicPr>
+          <p:nvPr/>
+        </p:nvPicPr>
+        <p:blipFill>
+          <a:blip r:embed="rId5">
+            <a:extLst>
+              <a:ext uri="{28A0092B-C50C-407E-A947-70E740481C1C}">
+                <a14:useLocalDpi xmlns:a14="http://schemas.microsoft.com/office/drawing/2010/main" val="0"/>
+              </a:ext>
+            </a:extLst>
+          </a:blip>
+          <a:stretch>
+            <a:fillRect/>
+          </a:stretch>
+        </p:blipFill>
+        <p:spPr>
+          <a:xfrm>
+            <a:off x="395140" y="2109715"/>
+            <a:ext cx="2560320" cy="2560320"/>
+          </a:xfrm>
+          <a:prstGeom prst="rect">
+            <a:avLst/>
+          </a:prstGeom>
+        </p:spPr>
+      </p:pic>
+      <p:pic>
+        <p:nvPicPr>
+          <p:cNvPr id="13" name="Picture 12" descr="A close up of a map&#10;&#10;Description automatically generated">
+            <a:extLst>
+              <a:ext uri="{FF2B5EF4-FFF2-40B4-BE49-F238E27FC236}">
+                <a16:creationId xmlns:a16="http://schemas.microsoft.com/office/drawing/2014/main" id="{ED4A73C6-88D6-46A4-B921-A08B362D2DE8}"/>
+              </a:ext>
+            </a:extLst>
+          </p:cNvPr>
+          <p:cNvPicPr>
+            <a:picLocks noChangeAspect="1"/>
+          </p:cNvPicPr>
+          <p:nvPr/>
+        </p:nvPicPr>
+        <p:blipFill>
+          <a:blip r:embed="rId6">
+            <a:extLst>
+              <a:ext uri="{28A0092B-C50C-407E-A947-70E740481C1C}">
+                <a14:useLocalDpi xmlns:a14="http://schemas.microsoft.com/office/drawing/2010/main" val="0"/>
+              </a:ext>
+            </a:extLst>
+          </a:blip>
+          <a:stretch>
+            <a:fillRect/>
+          </a:stretch>
+        </p:blipFill>
+        <p:spPr>
+          <a:xfrm>
+            <a:off x="3245570" y="2109715"/>
+            <a:ext cx="2560320" cy="2560320"/>
+          </a:xfrm>
+          <a:prstGeom prst="rect">
+            <a:avLst/>
+          </a:prstGeom>
+        </p:spPr>
+      </p:pic>
+      <p:pic>
+        <p:nvPicPr>
+          <p:cNvPr id="15" name="Picture 14" descr="A close up of a map&#10;&#10;Description automatically generated">
+            <a:extLst>
+              <a:ext uri="{FF2B5EF4-FFF2-40B4-BE49-F238E27FC236}">
+                <a16:creationId xmlns:a16="http://schemas.microsoft.com/office/drawing/2014/main" id="{52288D9F-B183-401D-B2D1-F4B098F620F1}"/>
+              </a:ext>
+            </a:extLst>
+          </p:cNvPr>
+          <p:cNvPicPr>
+            <a:picLocks noChangeAspect="1"/>
+          </p:cNvPicPr>
+          <p:nvPr/>
+        </p:nvPicPr>
+        <p:blipFill>
+          <a:blip r:embed="rId7">
+            <a:extLst>
+              <a:ext uri="{28A0092B-C50C-407E-A947-70E740481C1C}">
+                <a14:useLocalDpi xmlns:a14="http://schemas.microsoft.com/office/drawing/2010/main" val="0"/>
+              </a:ext>
+            </a:extLst>
+          </a:blip>
+          <a:stretch>
+            <a:fillRect/>
+          </a:stretch>
+        </p:blipFill>
+        <p:spPr>
+          <a:xfrm>
+            <a:off x="6096000" y="2109715"/>
+            <a:ext cx="2560320" cy="2560320"/>
+          </a:xfrm>
+          <a:prstGeom prst="rect">
+            <a:avLst/>
+          </a:prstGeom>
+        </p:spPr>
+      </p:pic>
+      <p:pic>
+        <p:nvPicPr>
+          <p:cNvPr id="17" name="Picture 16" descr="A close up of a map&#10;&#10;Description automatically generated">
+            <a:extLst>
+              <a:ext uri="{FF2B5EF4-FFF2-40B4-BE49-F238E27FC236}">
+                <a16:creationId xmlns:a16="http://schemas.microsoft.com/office/drawing/2014/main" id="{0E8C09B8-D96D-4F91-A030-A66EA3261600}"/>
+              </a:ext>
+            </a:extLst>
+          </p:cNvPr>
+          <p:cNvPicPr>
+            <a:picLocks noChangeAspect="1"/>
+          </p:cNvPicPr>
+          <p:nvPr/>
+        </p:nvPicPr>
+        <p:blipFill>
+          <a:blip r:embed="rId8">
+            <a:extLst>
+              <a:ext uri="{28A0092B-C50C-407E-A947-70E740481C1C}">
+                <a14:useLocalDpi xmlns:a14="http://schemas.microsoft.com/office/drawing/2010/main" val="0"/>
+              </a:ext>
+            </a:extLst>
+          </a:blip>
+          <a:stretch>
+            <a:fillRect/>
+          </a:stretch>
+        </p:blipFill>
+        <p:spPr>
+          <a:xfrm>
+            <a:off x="395140" y="4351407"/>
+            <a:ext cx="2560320" cy="2560320"/>
+          </a:xfrm>
+          <a:prstGeom prst="rect">
+            <a:avLst/>
+          </a:prstGeom>
+        </p:spPr>
+      </p:pic>
+      <p:pic>
+        <p:nvPicPr>
+          <p:cNvPr id="19" name="Picture 18" descr="A close up of a map&#10;&#10;Description automatically generated">
+            <a:extLst>
+              <a:ext uri="{FF2B5EF4-FFF2-40B4-BE49-F238E27FC236}">
+                <a16:creationId xmlns:a16="http://schemas.microsoft.com/office/drawing/2014/main" id="{C1D8C783-12AF-40CA-AE05-DFC85E6F8E4F}"/>
+              </a:ext>
+            </a:extLst>
+          </p:cNvPr>
+          <p:cNvPicPr>
+            <a:picLocks noChangeAspect="1"/>
+          </p:cNvPicPr>
+          <p:nvPr/>
+        </p:nvPicPr>
+        <p:blipFill>
+          <a:blip r:embed="rId9">
+            <a:extLst>
+              <a:ext uri="{28A0092B-C50C-407E-A947-70E740481C1C}">
+                <a14:useLocalDpi xmlns:a14="http://schemas.microsoft.com/office/drawing/2010/main" val="0"/>
+              </a:ext>
+            </a:extLst>
+          </a:blip>
+          <a:stretch>
+            <a:fillRect/>
+          </a:stretch>
+        </p:blipFill>
+        <p:spPr>
+          <a:xfrm>
+            <a:off x="3245570" y="4351407"/>
+            <a:ext cx="2560320" cy="2560320"/>
+          </a:xfrm>
+          <a:prstGeom prst="rect">
+            <a:avLst/>
+          </a:prstGeom>
+        </p:spPr>
+      </p:pic>
+      <p:pic>
+        <p:nvPicPr>
+          <p:cNvPr id="21" name="Picture 20" descr="A close up of a map&#10;&#10;Description automatically generated">
+            <a:extLst>
+              <a:ext uri="{FF2B5EF4-FFF2-40B4-BE49-F238E27FC236}">
+                <a16:creationId xmlns:a16="http://schemas.microsoft.com/office/drawing/2014/main" id="{B0FF93C8-FD6C-4722-AFEC-4150EA4CD533}"/>
+              </a:ext>
+            </a:extLst>
+          </p:cNvPr>
+          <p:cNvPicPr>
+            <a:picLocks noChangeAspect="1"/>
+          </p:cNvPicPr>
+          <p:nvPr/>
+        </p:nvPicPr>
+        <p:blipFill>
+          <a:blip r:embed="rId6">
+            <a:extLst>
+              <a:ext uri="{28A0092B-C50C-407E-A947-70E740481C1C}">
+                <a14:useLocalDpi xmlns:a14="http://schemas.microsoft.com/office/drawing/2010/main" val="0"/>
+              </a:ext>
+            </a:extLst>
+          </a:blip>
+          <a:stretch>
+            <a:fillRect/>
+          </a:stretch>
+        </p:blipFill>
+        <p:spPr>
+          <a:xfrm>
+            <a:off x="6096000" y="4351407"/>
+            <a:ext cx="2560320" cy="2560320"/>
+          </a:xfrm>
+          <a:prstGeom prst="rect">
+            <a:avLst/>
+          </a:prstGeom>
+        </p:spPr>
+      </p:pic>
+    </p:spTree>
+    <p:extLst>
+      <p:ext uri="{BB962C8B-B14F-4D97-AF65-F5344CB8AC3E}">
+        <p14:creationId xmlns:p14="http://schemas.microsoft.com/office/powerpoint/2010/main" val="347609881"/>
+      </p:ext>
+    </p:extLst>
+  </p:cSld>
+  <p:clrMapOvr>
+    <a:masterClrMapping/>
+  </p:clrMapOvr>
+</p:sld>
+</file>
+
 <file path=ppt/theme/theme1.xml><?xml version="1.0" encoding="utf-8"?>
 <a:theme xmlns:a="http://schemas.openxmlformats.org/drawingml/2006/main" name="Office Theme">
   <a:themeElements>
